--- a/BlockChainForEnterprise.pptx
+++ b/BlockChainForEnterprise.pptx
@@ -104,6 +104,11 @@
       </a:defRPr>
     </a:lvl9pPr>
   </p:defaultTextStyle>
+  <p:extLst>
+    <p:ext uri="{EFAFB233-063F-42B5-8137-9DF3F51BA10A}">
+      <p15:sldGuideLst xmlns:p15="http://schemas.microsoft.com/office/powerpoint/2012/main"/>
+    </p:ext>
+  </p:extLst>
 </p:presentation>
 </file>
 
@@ -3339,12 +3344,14 @@
         </p:nvSpPr>
         <p:spPr/>
         <p:txBody>
-          <a:bodyPr/>
-          <a:lstStyle/>
-          <a:p>
-            <a:r>
-              <a:rPr lang="en-US"/>
-              <a:t>Hi</a:t>
+          <a:bodyPr>
+            <a:normAutofit/>
+          </a:bodyPr>
+          <a:lstStyle/>
+          <a:p>
+            <a:r>
+              <a:rPr lang="en-US"/>
+              <a:t>Say Hello</a:t>
             </a:r>
             <a:br>
               <a:rPr lang="en-US"/>
